--- a/SEM-UP/presentation/01_efa/image/slide_logos.pptx
+++ b/SEM-UP/presentation/01_efa/image/slide_logos.pptx
@@ -9,6 +9,7 @@
     <p:sldId id="259" r:id="rId3"/>
     <p:sldId id="257" r:id="rId4"/>
     <p:sldId id="258" r:id="rId5"/>
+    <p:sldId id="260" r:id="rId6"/>
   </p:sldIdLst>
   <p:sldSz cx="12192000" cy="6858000"/>
   <p:notesSz cx="6858000" cy="9144000"/>
@@ -882,7 +883,7 @@
           <a:p>
             <a:fld id="{A7E68E60-9218-46BB-A378-9A469EA0EEDE}" type="datetimeFigureOut">
               <a:rPr lang="en-GB" smtClean="0"/>
-              <a:t>15/08/2021</a:t>
+              <a:t>13/12/2021</a:t>
             </a:fld>
             <a:endParaRPr lang="en-GB"/>
           </a:p>
@@ -1082,7 +1083,7 @@
           <a:p>
             <a:fld id="{A7E68E60-9218-46BB-A378-9A469EA0EEDE}" type="datetimeFigureOut">
               <a:rPr lang="en-GB" smtClean="0"/>
-              <a:t>15/08/2021</a:t>
+              <a:t>13/12/2021</a:t>
             </a:fld>
             <a:endParaRPr lang="en-GB"/>
           </a:p>
@@ -1292,7 +1293,7 @@
           <a:p>
             <a:fld id="{A7E68E60-9218-46BB-A378-9A469EA0EEDE}" type="datetimeFigureOut">
               <a:rPr lang="en-GB" smtClean="0"/>
-              <a:t>15/08/2021</a:t>
+              <a:t>13/12/2021</a:t>
             </a:fld>
             <a:endParaRPr lang="en-GB"/>
           </a:p>
@@ -1492,7 +1493,7 @@
           <a:p>
             <a:fld id="{A7E68E60-9218-46BB-A378-9A469EA0EEDE}" type="datetimeFigureOut">
               <a:rPr lang="en-GB" smtClean="0"/>
-              <a:t>15/08/2021</a:t>
+              <a:t>13/12/2021</a:t>
             </a:fld>
             <a:endParaRPr lang="en-GB"/>
           </a:p>
@@ -1768,7 +1769,7 @@
           <a:p>
             <a:fld id="{A7E68E60-9218-46BB-A378-9A469EA0EEDE}" type="datetimeFigureOut">
               <a:rPr lang="en-GB" smtClean="0"/>
-              <a:t>15/08/2021</a:t>
+              <a:t>13/12/2021</a:t>
             </a:fld>
             <a:endParaRPr lang="en-GB"/>
           </a:p>
@@ -2036,7 +2037,7 @@
           <a:p>
             <a:fld id="{A7E68E60-9218-46BB-A378-9A469EA0EEDE}" type="datetimeFigureOut">
               <a:rPr lang="en-GB" smtClean="0"/>
-              <a:t>15/08/2021</a:t>
+              <a:t>13/12/2021</a:t>
             </a:fld>
             <a:endParaRPr lang="en-GB"/>
           </a:p>
@@ -2451,7 +2452,7 @@
           <a:p>
             <a:fld id="{A7E68E60-9218-46BB-A378-9A469EA0EEDE}" type="datetimeFigureOut">
               <a:rPr lang="en-GB" smtClean="0"/>
-              <a:t>15/08/2021</a:t>
+              <a:t>13/12/2021</a:t>
             </a:fld>
             <a:endParaRPr lang="en-GB"/>
           </a:p>
@@ -2593,7 +2594,7 @@
           <a:p>
             <a:fld id="{A7E68E60-9218-46BB-A378-9A469EA0EEDE}" type="datetimeFigureOut">
               <a:rPr lang="en-GB" smtClean="0"/>
-              <a:t>15/08/2021</a:t>
+              <a:t>13/12/2021</a:t>
             </a:fld>
             <a:endParaRPr lang="en-GB"/>
           </a:p>
@@ -2706,7 +2707,7 @@
           <a:p>
             <a:fld id="{A7E68E60-9218-46BB-A378-9A469EA0EEDE}" type="datetimeFigureOut">
               <a:rPr lang="en-GB" smtClean="0"/>
-              <a:t>15/08/2021</a:t>
+              <a:t>13/12/2021</a:t>
             </a:fld>
             <a:endParaRPr lang="en-GB"/>
           </a:p>
@@ -3019,7 +3020,7 @@
           <a:p>
             <a:fld id="{A7E68E60-9218-46BB-A378-9A469EA0EEDE}" type="datetimeFigureOut">
               <a:rPr lang="en-GB" smtClean="0"/>
-              <a:t>15/08/2021</a:t>
+              <a:t>13/12/2021</a:t>
             </a:fld>
             <a:endParaRPr lang="en-GB"/>
           </a:p>
@@ -3308,7 +3309,7 @@
           <a:p>
             <a:fld id="{A7E68E60-9218-46BB-A378-9A469EA0EEDE}" type="datetimeFigureOut">
               <a:rPr lang="en-GB" smtClean="0"/>
-              <a:t>15/08/2021</a:t>
+              <a:t>13/12/2021</a:t>
             </a:fld>
             <a:endParaRPr lang="en-GB"/>
           </a:p>
@@ -3551,7 +3552,7 @@
           <a:p>
             <a:fld id="{A7E68E60-9218-46BB-A378-9A469EA0EEDE}" type="datetimeFigureOut">
               <a:rPr lang="en-GB" smtClean="0"/>
-              <a:t>15/08/2021</a:t>
+              <a:t>13/12/2021</a:t>
             </a:fld>
             <a:endParaRPr lang="en-GB"/>
           </a:p>
@@ -9295,6 +9296,649 @@
 </p:sld>
 </file>
 
+<file path=ppt/slides/slide5.xml><?xml version="1.0" encoding="utf-8"?>
+<p:sld xmlns:a="http://schemas.openxmlformats.org/drawingml/2006/main" xmlns:r="http://schemas.openxmlformats.org/officeDocument/2006/relationships" xmlns:p="http://schemas.openxmlformats.org/presentationml/2006/main">
+  <p:cSld>
+    <p:spTree>
+      <p:nvGrpSpPr>
+        <p:cNvPr id="1" name=""/>
+        <p:cNvGrpSpPr/>
+        <p:nvPr/>
+      </p:nvGrpSpPr>
+      <p:grpSpPr>
+        <a:xfrm>
+          <a:off x="0" y="0"/>
+          <a:ext cx="0" cy="0"/>
+          <a:chOff x="0" y="0"/>
+          <a:chExt cx="0" cy="0"/>
+        </a:xfrm>
+      </p:grpSpPr>
+      <p:grpSp>
+        <p:nvGrpSpPr>
+          <p:cNvPr id="19" name="Group 18">
+            <a:extLst>
+              <a:ext uri="{FF2B5EF4-FFF2-40B4-BE49-F238E27FC236}">
+                <a16:creationId xmlns:a16="http://schemas.microsoft.com/office/drawing/2014/main" id="{299E7A18-71F7-4196-92DA-2D029A1AFA4C}"/>
+              </a:ext>
+            </a:extLst>
+          </p:cNvPr>
+          <p:cNvGrpSpPr/>
+          <p:nvPr/>
+        </p:nvGrpSpPr>
+        <p:grpSpPr>
+          <a:xfrm>
+            <a:off x="923108" y="583475"/>
+            <a:ext cx="4693920" cy="5315853"/>
+            <a:chOff x="3918857" y="714104"/>
+            <a:chExt cx="4693920" cy="5315853"/>
+          </a:xfrm>
+        </p:grpSpPr>
+        <p:sp>
+          <p:nvSpPr>
+            <p:cNvPr id="4" name="Rectangle 3">
+              <a:extLst>
+                <a:ext uri="{FF2B5EF4-FFF2-40B4-BE49-F238E27FC236}">
+                  <a16:creationId xmlns:a16="http://schemas.microsoft.com/office/drawing/2014/main" id="{C03ED426-CD99-4AE1-BDE2-9B903E3B91B1}"/>
+                </a:ext>
+              </a:extLst>
+            </p:cNvPr>
+            <p:cNvSpPr/>
+            <p:nvPr/>
+          </p:nvSpPr>
+          <p:spPr>
+            <a:xfrm>
+              <a:off x="4180113" y="714104"/>
+              <a:ext cx="3640183" cy="1018903"/>
+            </a:xfrm>
+            <a:prstGeom prst="rect">
+              <a:avLst/>
+            </a:prstGeom>
+            <a:noFill/>
+            <a:ln w="19050">
+              <a:solidFill>
+                <a:srgbClr val="0B3B4D"/>
+              </a:solidFill>
+            </a:ln>
+          </p:spPr>
+          <p:style>
+            <a:lnRef idx="2">
+              <a:schemeClr val="accent1">
+                <a:shade val="50000"/>
+              </a:schemeClr>
+            </a:lnRef>
+            <a:fillRef idx="1">
+              <a:schemeClr val="accent1"/>
+            </a:fillRef>
+            <a:effectRef idx="0">
+              <a:schemeClr val="accent1"/>
+            </a:effectRef>
+            <a:fontRef idx="minor">
+              <a:schemeClr val="lt1"/>
+            </a:fontRef>
+          </p:style>
+          <p:txBody>
+            <a:bodyPr rtlCol="0" anchor="ctr"/>
+            <a:lstStyle/>
+            <a:p>
+              <a:pPr algn="ctr"/>
+              <a:r>
+                <a:rPr lang="en-PH" dirty="0">
+                  <a:solidFill>
+                    <a:schemeClr val="tx1">
+                      <a:lumMod val="85000"/>
+                      <a:lumOff val="15000"/>
+                    </a:schemeClr>
+                  </a:solidFill>
+                </a:rPr>
+                <a:t>Indicator variables</a:t>
+              </a:r>
+            </a:p>
+            <a:p>
+              <a:pPr algn="ctr"/>
+              <a:r>
+                <a:rPr lang="en-PH" dirty="0">
+                  <a:solidFill>
+                    <a:schemeClr val="tx1">
+                      <a:lumMod val="85000"/>
+                      <a:lumOff val="15000"/>
+                    </a:schemeClr>
+                  </a:solidFill>
+                </a:rPr>
+                <a:t>Conceptual hypothesized model</a:t>
+              </a:r>
+              <a:endParaRPr lang="en-GB" dirty="0">
+                <a:solidFill>
+                  <a:schemeClr val="tx1">
+                    <a:lumMod val="85000"/>
+                    <a:lumOff val="15000"/>
+                  </a:schemeClr>
+                </a:solidFill>
+              </a:endParaRPr>
+            </a:p>
+          </p:txBody>
+        </p:sp>
+        <p:sp>
+          <p:nvSpPr>
+            <p:cNvPr id="7" name="Rectangle 6">
+              <a:extLst>
+                <a:ext uri="{FF2B5EF4-FFF2-40B4-BE49-F238E27FC236}">
+                  <a16:creationId xmlns:a16="http://schemas.microsoft.com/office/drawing/2014/main" id="{059D61FB-0866-420E-8633-5B7F9649CD6F}"/>
+                </a:ext>
+              </a:extLst>
+            </p:cNvPr>
+            <p:cNvSpPr/>
+            <p:nvPr/>
+          </p:nvSpPr>
+          <p:spPr>
+            <a:xfrm>
+              <a:off x="4180114" y="1965233"/>
+              <a:ext cx="2050869" cy="1018903"/>
+            </a:xfrm>
+            <a:prstGeom prst="rect">
+              <a:avLst/>
+            </a:prstGeom>
+            <a:noFill/>
+            <a:ln w="19050">
+              <a:solidFill>
+                <a:srgbClr val="0B3B4D"/>
+              </a:solidFill>
+            </a:ln>
+          </p:spPr>
+          <p:style>
+            <a:lnRef idx="2">
+              <a:schemeClr val="accent1">
+                <a:shade val="50000"/>
+              </a:schemeClr>
+            </a:lnRef>
+            <a:fillRef idx="1">
+              <a:schemeClr val="accent1"/>
+            </a:fillRef>
+            <a:effectRef idx="0">
+              <a:schemeClr val="accent1"/>
+            </a:effectRef>
+            <a:fontRef idx="minor">
+              <a:schemeClr val="lt1"/>
+            </a:fontRef>
+          </p:style>
+          <p:txBody>
+            <a:bodyPr rtlCol="0" anchor="ctr"/>
+            <a:lstStyle/>
+            <a:p>
+              <a:pPr algn="ctr"/>
+              <a:r>
+                <a:rPr lang="en-PH" b="1" dirty="0">
+                  <a:solidFill>
+                    <a:schemeClr val="tx1">
+                      <a:lumMod val="85000"/>
+                      <a:lumOff val="15000"/>
+                    </a:schemeClr>
+                  </a:solidFill>
+                </a:rPr>
+                <a:t>EFA</a:t>
+              </a:r>
+            </a:p>
+            <a:p>
+              <a:pPr algn="ctr"/>
+              <a:r>
+                <a:rPr lang="en-PH" dirty="0">
+                  <a:solidFill>
+                    <a:schemeClr val="tx1">
+                      <a:lumMod val="85000"/>
+                      <a:lumOff val="15000"/>
+                    </a:schemeClr>
+                  </a:solidFill>
+                </a:rPr>
+                <a:t>Exploratory factor analysis</a:t>
+              </a:r>
+              <a:endParaRPr lang="en-GB" b="1" dirty="0">
+                <a:solidFill>
+                  <a:schemeClr val="tx1">
+                    <a:lumMod val="85000"/>
+                    <a:lumOff val="15000"/>
+                  </a:schemeClr>
+                </a:solidFill>
+              </a:endParaRPr>
+            </a:p>
+          </p:txBody>
+        </p:sp>
+        <p:sp>
+          <p:nvSpPr>
+            <p:cNvPr id="10" name="Rectangle 9">
+              <a:extLst>
+                <a:ext uri="{FF2B5EF4-FFF2-40B4-BE49-F238E27FC236}">
+                  <a16:creationId xmlns:a16="http://schemas.microsoft.com/office/drawing/2014/main" id="{8208DD28-37DC-4F62-BF0E-ED377F9677E8}"/>
+                </a:ext>
+              </a:extLst>
+            </p:cNvPr>
+            <p:cNvSpPr/>
+            <p:nvPr/>
+          </p:nvSpPr>
+          <p:spPr>
+            <a:xfrm>
+              <a:off x="4180114" y="5446483"/>
+              <a:ext cx="2050869" cy="583474"/>
+            </a:xfrm>
+            <a:prstGeom prst="rect">
+              <a:avLst/>
+            </a:prstGeom>
+            <a:noFill/>
+            <a:ln w="19050">
+              <a:solidFill>
+                <a:srgbClr val="0B3B4D"/>
+              </a:solidFill>
+            </a:ln>
+          </p:spPr>
+          <p:style>
+            <a:lnRef idx="2">
+              <a:schemeClr val="accent1">
+                <a:shade val="50000"/>
+              </a:schemeClr>
+            </a:lnRef>
+            <a:fillRef idx="1">
+              <a:schemeClr val="accent1"/>
+            </a:fillRef>
+            <a:effectRef idx="0">
+              <a:schemeClr val="accent1"/>
+            </a:effectRef>
+            <a:fontRef idx="minor">
+              <a:schemeClr val="lt1"/>
+            </a:fontRef>
+          </p:style>
+          <p:txBody>
+            <a:bodyPr rtlCol="0" anchor="ctr"/>
+            <a:lstStyle/>
+            <a:p>
+              <a:pPr algn="ctr"/>
+              <a:r>
+                <a:rPr lang="en-PH" sz="1600" dirty="0">
+                  <a:solidFill>
+                    <a:schemeClr val="tx1">
+                      <a:lumMod val="85000"/>
+                      <a:lumOff val="15000"/>
+                    </a:schemeClr>
+                  </a:solidFill>
+                </a:rPr>
+                <a:t>Calculate the model-fit indices</a:t>
+              </a:r>
+              <a:endParaRPr lang="en-GB" sz="1600" dirty="0">
+                <a:solidFill>
+                  <a:schemeClr val="tx1">
+                    <a:lumMod val="85000"/>
+                    <a:lumOff val="15000"/>
+                  </a:schemeClr>
+                </a:solidFill>
+              </a:endParaRPr>
+            </a:p>
+          </p:txBody>
+        </p:sp>
+        <p:sp>
+          <p:nvSpPr>
+            <p:cNvPr id="11" name="TextBox 10">
+              <a:extLst>
+                <a:ext uri="{FF2B5EF4-FFF2-40B4-BE49-F238E27FC236}">
+                  <a16:creationId xmlns:a16="http://schemas.microsoft.com/office/drawing/2014/main" id="{34441A79-551E-4726-9138-CDE1025EE76B}"/>
+                </a:ext>
+              </a:extLst>
+            </p:cNvPr>
+            <p:cNvSpPr txBox="1"/>
+            <p:nvPr/>
+          </p:nvSpPr>
+          <p:spPr>
+            <a:xfrm>
+              <a:off x="6361612" y="1886384"/>
+              <a:ext cx="1545771" cy="830997"/>
+            </a:xfrm>
+            <a:prstGeom prst="rect">
+              <a:avLst/>
+            </a:prstGeom>
+            <a:noFill/>
+          </p:spPr>
+          <p:txBody>
+            <a:bodyPr wrap="square" rtlCol="0">
+              <a:spAutoFit/>
+            </a:bodyPr>
+            <a:lstStyle/>
+            <a:p>
+              <a:r>
+                <a:rPr lang="en-PH" sz="1600" dirty="0"/>
+                <a:t>Identify number of underlying latent factors.</a:t>
+              </a:r>
+              <a:endParaRPr lang="en-GB" sz="1600" dirty="0"/>
+            </a:p>
+          </p:txBody>
+        </p:sp>
+        <p:sp>
+          <p:nvSpPr>
+            <p:cNvPr id="12" name="TextBox 11">
+              <a:extLst>
+                <a:ext uri="{FF2B5EF4-FFF2-40B4-BE49-F238E27FC236}">
+                  <a16:creationId xmlns:a16="http://schemas.microsoft.com/office/drawing/2014/main" id="{A4A356E6-6998-40BA-BC0A-493503F4A05E}"/>
+                </a:ext>
+              </a:extLst>
+            </p:cNvPr>
+            <p:cNvSpPr txBox="1"/>
+            <p:nvPr/>
+          </p:nvSpPr>
+          <p:spPr>
+            <a:xfrm>
+              <a:off x="6361612" y="3060166"/>
+              <a:ext cx="1733007" cy="830997"/>
+            </a:xfrm>
+            <a:prstGeom prst="rect">
+              <a:avLst/>
+            </a:prstGeom>
+            <a:noFill/>
+          </p:spPr>
+          <p:txBody>
+            <a:bodyPr wrap="square" rtlCol="0">
+              <a:spAutoFit/>
+            </a:bodyPr>
+            <a:lstStyle/>
+            <a:p>
+              <a:r>
+                <a:rPr lang="en-PH" sz="1600" dirty="0"/>
+                <a:t>Confirm hypothesized structure</a:t>
+              </a:r>
+              <a:endParaRPr lang="en-GB" sz="1600" dirty="0"/>
+            </a:p>
+          </p:txBody>
+        </p:sp>
+        <p:sp>
+          <p:nvSpPr>
+            <p:cNvPr id="13" name="Rectangle 12">
+              <a:extLst>
+                <a:ext uri="{FF2B5EF4-FFF2-40B4-BE49-F238E27FC236}">
+                  <a16:creationId xmlns:a16="http://schemas.microsoft.com/office/drawing/2014/main" id="{9799D37D-CCC0-4B60-A765-678E20EE7A18}"/>
+                </a:ext>
+              </a:extLst>
+            </p:cNvPr>
+            <p:cNvSpPr/>
+            <p:nvPr/>
+          </p:nvSpPr>
+          <p:spPr>
+            <a:xfrm>
+              <a:off x="4180114" y="3125650"/>
+              <a:ext cx="2050869" cy="1018903"/>
+            </a:xfrm>
+            <a:prstGeom prst="rect">
+              <a:avLst/>
+            </a:prstGeom>
+            <a:noFill/>
+            <a:ln w="19050">
+              <a:solidFill>
+                <a:srgbClr val="0B3B4D"/>
+              </a:solidFill>
+            </a:ln>
+          </p:spPr>
+          <p:style>
+            <a:lnRef idx="2">
+              <a:schemeClr val="accent1">
+                <a:shade val="50000"/>
+              </a:schemeClr>
+            </a:lnRef>
+            <a:fillRef idx="1">
+              <a:schemeClr val="accent1"/>
+            </a:fillRef>
+            <a:effectRef idx="0">
+              <a:schemeClr val="accent1"/>
+            </a:effectRef>
+            <a:fontRef idx="minor">
+              <a:schemeClr val="lt1"/>
+            </a:fontRef>
+          </p:style>
+          <p:txBody>
+            <a:bodyPr rtlCol="0" anchor="ctr"/>
+            <a:lstStyle/>
+            <a:p>
+              <a:pPr algn="ctr"/>
+              <a:r>
+                <a:rPr lang="en-PH" b="1" dirty="0">
+                  <a:solidFill>
+                    <a:schemeClr val="tx1">
+                      <a:lumMod val="85000"/>
+                      <a:lumOff val="15000"/>
+                    </a:schemeClr>
+                  </a:solidFill>
+                </a:rPr>
+                <a:t>CFA</a:t>
+              </a:r>
+            </a:p>
+            <a:p>
+              <a:pPr algn="ctr"/>
+              <a:r>
+                <a:rPr lang="en-PH" dirty="0">
+                  <a:solidFill>
+                    <a:schemeClr val="tx1">
+                      <a:lumMod val="85000"/>
+                      <a:lumOff val="15000"/>
+                    </a:schemeClr>
+                  </a:solidFill>
+                </a:rPr>
+                <a:t>Confirmatory factor analysis</a:t>
+              </a:r>
+              <a:endParaRPr lang="en-GB" b="1" dirty="0">
+                <a:solidFill>
+                  <a:schemeClr val="tx1">
+                    <a:lumMod val="85000"/>
+                    <a:lumOff val="15000"/>
+                  </a:schemeClr>
+                </a:solidFill>
+              </a:endParaRPr>
+            </a:p>
+          </p:txBody>
+        </p:sp>
+        <p:sp>
+          <p:nvSpPr>
+            <p:cNvPr id="14" name="Rectangle 13">
+              <a:extLst>
+                <a:ext uri="{FF2B5EF4-FFF2-40B4-BE49-F238E27FC236}">
+                  <a16:creationId xmlns:a16="http://schemas.microsoft.com/office/drawing/2014/main" id="{EC93720B-0720-48BC-B8FB-D3B7063E1418}"/>
+                </a:ext>
+              </a:extLst>
+            </p:cNvPr>
+            <p:cNvSpPr/>
+            <p:nvPr/>
+          </p:nvSpPr>
+          <p:spPr>
+            <a:xfrm>
+              <a:off x="4180114" y="4286067"/>
+              <a:ext cx="2050869" cy="1018903"/>
+            </a:xfrm>
+            <a:prstGeom prst="rect">
+              <a:avLst/>
+            </a:prstGeom>
+            <a:noFill/>
+            <a:ln w="19050">
+              <a:solidFill>
+                <a:srgbClr val="0B3B4D"/>
+              </a:solidFill>
+            </a:ln>
+          </p:spPr>
+          <p:style>
+            <a:lnRef idx="2">
+              <a:schemeClr val="accent1">
+                <a:shade val="50000"/>
+              </a:schemeClr>
+            </a:lnRef>
+            <a:fillRef idx="1">
+              <a:schemeClr val="accent1"/>
+            </a:fillRef>
+            <a:effectRef idx="0">
+              <a:schemeClr val="accent1"/>
+            </a:effectRef>
+            <a:fontRef idx="minor">
+              <a:schemeClr val="lt1"/>
+            </a:fontRef>
+          </p:style>
+          <p:txBody>
+            <a:bodyPr rtlCol="0" anchor="ctr"/>
+            <a:lstStyle/>
+            <a:p>
+              <a:pPr algn="ctr"/>
+              <a:r>
+                <a:rPr lang="en-PH" b="1" dirty="0">
+                  <a:solidFill>
+                    <a:schemeClr val="tx1">
+                      <a:lumMod val="85000"/>
+                      <a:lumOff val="15000"/>
+                    </a:schemeClr>
+                  </a:solidFill>
+                </a:rPr>
+                <a:t>SEM</a:t>
+              </a:r>
+            </a:p>
+            <a:p>
+              <a:pPr algn="ctr"/>
+              <a:r>
+                <a:rPr lang="en-PH" dirty="0">
+                  <a:solidFill>
+                    <a:schemeClr val="tx1">
+                      <a:lumMod val="85000"/>
+                      <a:lumOff val="15000"/>
+                    </a:schemeClr>
+                  </a:solidFill>
+                </a:rPr>
+                <a:t>Structural equation modelling</a:t>
+              </a:r>
+              <a:endParaRPr lang="en-GB" b="1" dirty="0">
+                <a:solidFill>
+                  <a:schemeClr val="tx1">
+                    <a:lumMod val="85000"/>
+                    <a:lumOff val="15000"/>
+                  </a:schemeClr>
+                </a:solidFill>
+              </a:endParaRPr>
+            </a:p>
+          </p:txBody>
+        </p:sp>
+        <p:sp>
+          <p:nvSpPr>
+            <p:cNvPr id="15" name="TextBox 14">
+              <a:extLst>
+                <a:ext uri="{FF2B5EF4-FFF2-40B4-BE49-F238E27FC236}">
+                  <a16:creationId xmlns:a16="http://schemas.microsoft.com/office/drawing/2014/main" id="{9DC5EE1A-D4A8-4EE5-823B-865A1667A400}"/>
+                </a:ext>
+              </a:extLst>
+            </p:cNvPr>
+            <p:cNvSpPr txBox="1"/>
+            <p:nvPr/>
+          </p:nvSpPr>
+          <p:spPr>
+            <a:xfrm>
+              <a:off x="6361612" y="4144553"/>
+              <a:ext cx="2251165" cy="830997"/>
+            </a:xfrm>
+            <a:prstGeom prst="rect">
+              <a:avLst/>
+            </a:prstGeom>
+            <a:noFill/>
+          </p:spPr>
+          <p:txBody>
+            <a:bodyPr wrap="square" rtlCol="0">
+              <a:spAutoFit/>
+            </a:bodyPr>
+            <a:lstStyle/>
+            <a:p>
+              <a:r>
+                <a:rPr lang="en-PH" sz="1600" dirty="0"/>
+                <a:t>Estimate causal relations and interrelations among latent factors.</a:t>
+              </a:r>
+              <a:endParaRPr lang="en-GB" sz="1600" dirty="0"/>
+            </a:p>
+          </p:txBody>
+        </p:sp>
+        <p:sp>
+          <p:nvSpPr>
+            <p:cNvPr id="16" name="TextBox 15">
+              <a:extLst>
+                <a:ext uri="{FF2B5EF4-FFF2-40B4-BE49-F238E27FC236}">
+                  <a16:creationId xmlns:a16="http://schemas.microsoft.com/office/drawing/2014/main" id="{BC67C042-20FA-4380-9DED-8234A3A8BF2D}"/>
+                </a:ext>
+              </a:extLst>
+            </p:cNvPr>
+            <p:cNvSpPr txBox="1"/>
+            <p:nvPr/>
+          </p:nvSpPr>
+          <p:spPr>
+            <a:xfrm>
+              <a:off x="6361612" y="5429215"/>
+              <a:ext cx="1641565" cy="584775"/>
+            </a:xfrm>
+            <a:prstGeom prst="rect">
+              <a:avLst/>
+            </a:prstGeom>
+            <a:noFill/>
+          </p:spPr>
+          <p:txBody>
+            <a:bodyPr wrap="square" rtlCol="0">
+              <a:spAutoFit/>
+            </a:bodyPr>
+            <a:lstStyle/>
+            <a:p>
+              <a:r>
+                <a:rPr lang="en-PH" sz="1600" dirty="0"/>
+                <a:t>Validation of model fit</a:t>
+              </a:r>
+              <a:endParaRPr lang="en-GB" sz="1600" dirty="0"/>
+            </a:p>
+          </p:txBody>
+        </p:sp>
+        <p:cxnSp>
+          <p:nvCxnSpPr>
+            <p:cNvPr id="18" name="Straight Arrow Connector 17">
+              <a:extLst>
+                <a:ext uri="{FF2B5EF4-FFF2-40B4-BE49-F238E27FC236}">
+                  <a16:creationId xmlns:a16="http://schemas.microsoft.com/office/drawing/2014/main" id="{2AEC0B80-060B-4706-8C96-D2BBE9FEF158}"/>
+                </a:ext>
+              </a:extLst>
+            </p:cNvPr>
+            <p:cNvCxnSpPr/>
+            <p:nvPr/>
+          </p:nvCxnSpPr>
+          <p:spPr>
+            <a:xfrm>
+              <a:off x="3918857" y="714104"/>
+              <a:ext cx="0" cy="5315853"/>
+            </a:xfrm>
+            <a:prstGeom prst="straightConnector1">
+              <a:avLst/>
+            </a:prstGeom>
+            <a:ln w="76200">
+              <a:solidFill>
+                <a:srgbClr val="0B3B4D"/>
+              </a:solidFill>
+              <a:tailEnd type="triangle"/>
+            </a:ln>
+          </p:spPr>
+          <p:style>
+            <a:lnRef idx="1">
+              <a:schemeClr val="accent1"/>
+            </a:lnRef>
+            <a:fillRef idx="0">
+              <a:schemeClr val="accent1"/>
+            </a:fillRef>
+            <a:effectRef idx="0">
+              <a:schemeClr val="accent1"/>
+            </a:effectRef>
+            <a:fontRef idx="minor">
+              <a:schemeClr val="tx1"/>
+            </a:fontRef>
+          </p:style>
+        </p:cxnSp>
+      </p:grpSp>
+    </p:spTree>
+    <p:extLst>
+      <p:ext uri="{BB962C8B-B14F-4D97-AF65-F5344CB8AC3E}">
+        <p14:creationId xmlns:p14="http://schemas.microsoft.com/office/powerpoint/2010/main" val="347468354"/>
+      </p:ext>
+    </p:extLst>
+  </p:cSld>
+  <p:clrMapOvr>
+    <a:masterClrMapping/>
+  </p:clrMapOvr>
+</p:sld>
+</file>
+
 <file path=ppt/theme/theme1.xml><?xml version="1.0" encoding="utf-8"?>
 <a:theme xmlns:a="http://schemas.openxmlformats.org/drawingml/2006/main" name="Office Theme">
   <a:themeElements>
